--- a/modules/Goodness_of_Fit/PPT.pptx
+++ b/modules/Goodness_of_Fit/PPT.pptx
@@ -4025,11 +4025,7 @@
             </a:r>
             <a:r>
               <a:rPr lang="en-US" dirty="0" smtClean="0"/>
-              <a:t>availability</a:t>
-            </a:r>
-            <a:r>
-              <a:rPr lang="en-US" dirty="0" smtClean="0"/>
-              <a:t>).</a:t>
+              <a:t>availability).</a:t>
             </a:r>
           </a:p>
           <a:p>
@@ -4502,7 +4498,7 @@
           <a:graphicData uri="http://schemas.openxmlformats.org/presentationml/2006/ole">
             <mc:AlternateContent xmlns:mc="http://schemas.openxmlformats.org/markup-compatibility/2006">
               <mc:Choice xmlns:v="urn:schemas-microsoft-com:vml" Requires="v">
-                <p:oleObj spid="_x0000_s223235" name="Equation" r:id="rId3" imgW="1968480" imgH="457200" progId="Equation.3">
+                <p:oleObj spid="_x0000_s223237" name="Equation" r:id="rId3" imgW="1968480" imgH="457200" progId="Equation.3">
                   <p:embed/>
                 </p:oleObj>
               </mc:Choice>
@@ -5047,7 +5043,15 @@
             </a:r>
             <a:r>
               <a:rPr lang="en-US" dirty="0" smtClean="0"/>
-              <a:t>).  Each student was asked to identify which artist they most preferred.  Of the students sampled, 24, 38, and 16 preferred CDG, RBB, and BA, respectively.  Determine</a:t>
+              <a:t>).  Each student was asked to identify which artist they most preferred.  Of the students sampled, 24, 38, and </a:t>
+            </a:r>
+            <a:r>
+              <a:rPr lang="en-US" dirty="0" smtClean="0"/>
+              <a:t>18 </a:t>
+            </a:r>
+            <a:r>
+              <a:rPr lang="en-US" dirty="0" smtClean="0"/>
+              <a:t>preferred CDG, RBB, and BA, respectively.  Determine</a:t>
             </a:r>
             <a:r>
               <a:rPr lang="en-US" dirty="0"/>
@@ -5055,11 +5059,7 @@
             </a:r>
             <a:r>
               <a:rPr lang="en-US" dirty="0" smtClean="0"/>
-              <a:t>showed a clear preference for any of these artists</a:t>
-            </a:r>
-            <a:r>
-              <a:rPr lang="en-US" dirty="0" smtClean="0"/>
-              <a:t>.</a:t>
+              <a:t>showed a clear preference for any of these artists.</a:t>
             </a:r>
             <a:endParaRPr lang="en-US" dirty="0"/>
           </a:p>
@@ -5236,7 +5236,6 @@
               <a:rPr lang="en-US" sz="2400" dirty="0" smtClean="0"/>
               <a:t>=0.10</a:t>
             </a:r>
-            <a:endParaRPr lang="en-US" sz="2400" dirty="0" smtClean="0"/>
           </a:p>
           <a:p>
             <a:pPr marL="609600" indent="-609600">
@@ -5287,7 +5286,6 @@
               <a:rPr lang="en-US" sz="2400" dirty="0" smtClean="0"/>
               <a:t>: “no preference … same frequency for each artist”</a:t>
             </a:r>
-            <a:endParaRPr lang="en-US" sz="2400" dirty="0" smtClean="0"/>
           </a:p>
           <a:p>
             <a:pPr marL="1941513" indent="-1941513">
@@ -5339,11 +5337,7 @@
             </a:pPr>
             <a:r>
               <a:rPr lang="en-US" sz="2400" dirty="0" smtClean="0"/>
-              <a:t>GOF test </a:t>
-            </a:r>
-            <a:r>
-              <a:rPr lang="en-US" sz="2400" dirty="0" smtClean="0"/>
-              <a:t>… because (a</a:t>
+              <a:t>GOF test … because (a</a:t>
             </a:r>
             <a:r>
               <a:rPr lang="en-US" sz="2400" dirty="0"/>
@@ -5351,43 +5345,19 @@
             </a:r>
             <a:r>
               <a:rPr lang="en-US" sz="2400" dirty="0" smtClean="0"/>
-              <a:t>(Northland students), </a:t>
-            </a:r>
-            <a:r>
-              <a:rPr lang="en-US" sz="2400" dirty="0" smtClean="0"/>
-              <a:t>(</a:t>
+              <a:t>(Northland students), (</a:t>
             </a:r>
             <a:r>
               <a:rPr lang="en-US" sz="2400" dirty="0"/>
               <a:t>b) </a:t>
             </a:r>
             <a:r>
-              <a:rPr lang="en-US" sz="2400" dirty="0" err="1" smtClean="0"/>
-              <a:t>categorcal</a:t>
-            </a:r>
-            <a:r>
               <a:rPr lang="en-US" sz="2400" dirty="0" smtClean="0"/>
-              <a:t> </a:t>
+              <a:t>categorical </a:t>
             </a:r>
             <a:r>
               <a:rPr lang="en-US" sz="2400" dirty="0" smtClean="0"/>
-              <a:t>variable </a:t>
-            </a:r>
-            <a:r>
-              <a:rPr lang="en-US" sz="2400" dirty="0" smtClean="0"/>
-              <a:t>(artist preferred</a:t>
-            </a:r>
-            <a:r>
-              <a:rPr lang="en-US" sz="2400" dirty="0" smtClean="0"/>
-              <a:t>), </a:t>
-            </a:r>
-            <a:r>
-              <a:rPr lang="en-US" sz="2400" dirty="0" smtClean="0"/>
-              <a:t>and (c</a:t>
-            </a:r>
-            <a:r>
-              <a:rPr lang="en-US" sz="2400" dirty="0" smtClean="0"/>
-              <a:t>) comparing observed frequencies to theoretical uniform distribution.</a:t>
+              <a:t>variable (artist preferred), and (c) comparing observed frequencies to theoretical uniform distribution.</a:t>
             </a:r>
             <a:endParaRPr lang="en-US" sz="2400" dirty="0"/>
           </a:p>
@@ -5796,13 +5766,8 @@
             </a:pPr>
             <a:r>
               <a:rPr lang="en-US" sz="2400" dirty="0" smtClean="0"/>
-              <a:t>(i) Observational study (no control imparted on </a:t>
-            </a:r>
-            <a:r>
-              <a:rPr lang="en-US" sz="2400" dirty="0" smtClean="0"/>
-              <a:t>subjects)</a:t>
-            </a:r>
-            <a:endParaRPr lang="en-US" sz="2400" dirty="0" smtClean="0"/>
+              <a:t>(i) Observational study (no control imparted on subjects)</a:t>
+            </a:r>
           </a:p>
           <a:p>
             <a:pPr marL="609600" indent="-609600">
@@ -5811,23 +5776,15 @@
             </a:pPr>
             <a:r>
               <a:rPr lang="en-US" sz="2400" dirty="0" smtClean="0"/>
-              <a:t>(ii) </a:t>
+              <a:t>(ii) Not clear that a random sample </a:t>
             </a:r>
             <a:r>
               <a:rPr lang="en-US" sz="2400" dirty="0" smtClean="0"/>
-              <a:t>Not clear that a </a:t>
+              <a:t>(n=80) was </a:t>
             </a:r>
             <a:r>
               <a:rPr lang="en-US" sz="2400" dirty="0" smtClean="0"/>
-              <a:t>random </a:t>
-            </a:r>
-            <a:r>
-              <a:rPr lang="en-US" sz="2400" dirty="0" smtClean="0"/>
-              <a:t>sample </a:t>
-            </a:r>
-            <a:r>
-              <a:rPr lang="en-US" sz="2400" dirty="0" smtClean="0"/>
-              <a:t>was taken</a:t>
+              <a:t>taken</a:t>
             </a:r>
           </a:p>
           <a:p>
@@ -5852,11 +5809,7 @@
             </a:r>
             <a:r>
               <a:rPr lang="en-US" sz="2400" b="1" dirty="0" smtClean="0"/>
-              <a:t>assumption(s</a:t>
-            </a:r>
-            <a:r>
-              <a:rPr lang="en-US" sz="2400" b="1" dirty="0" smtClean="0"/>
-              <a:t>)</a:t>
+              <a:t>assumption(s)</a:t>
             </a:r>
           </a:p>
           <a:p>
@@ -5897,11 +5850,7 @@
             </a:r>
             <a:r>
               <a:rPr lang="en-US" sz="2400" b="1" dirty="0" smtClean="0"/>
-              <a:t>statistic(s</a:t>
-            </a:r>
-            <a:r>
-              <a:rPr lang="en-US" sz="2400" b="1" dirty="0" smtClean="0"/>
-              <a:t>)</a:t>
+              <a:t>statistic(s)</a:t>
             </a:r>
             <a:endParaRPr lang="en-US" sz="2400" b="1" dirty="0"/>
           </a:p>
@@ -5916,7 +5865,7 @@
           <p:nvPr>
             <p:extLst>
               <p:ext uri="{D42A27DB-BD31-4B8C-83A1-F6EECF244321}">
-                <p14:modId xmlns:p14="http://schemas.microsoft.com/office/powerpoint/2010/main" val="1093062169"/>
+                <p14:modId xmlns:p14="http://schemas.microsoft.com/office/powerpoint/2010/main" val="4117503854"/>
               </p:ext>
             </p:extLst>
           </p:nvPr>
@@ -6380,7 +6329,7 @@
                         <a:tabLst/>
                       </a:pPr>
                       <a:r>
-                        <a:rPr kumimoji="0" lang="en-US" sz="2000" b="0" i="0" u="none" strike="noStrike" cap="none" normalizeH="0" baseline="0" smtClean="0">
+                        <a:rPr kumimoji="0" lang="en-US" sz="2000" b="0" i="0" u="none" strike="noStrike" cap="none" normalizeH="0" baseline="0" dirty="0" smtClean="0">
                           <a:ln>
                             <a:noFill/>
                           </a:ln>
@@ -6390,79 +6339,10 @@
                           <a:effectLst/>
                           <a:latin typeface="Times New Roman" pitchFamily="18" charset="0"/>
                         </a:rPr>
-                        <a:t>26</a:t>
+                        <a:t>80/3=</a:t>
                       </a:r>
-                    </a:p>
-                  </a:txBody>
-                  <a:tcPr horzOverflow="overflow">
-                    <a:lnL w="12700" cap="flat" cmpd="sng" algn="ctr">
-                      <a:solidFill>
-                        <a:schemeClr val="tx1"/>
-                      </a:solidFill>
-                      <a:prstDash val="solid"/>
-                      <a:round/>
-                      <a:headEnd type="none" w="med" len="med"/>
-                      <a:tailEnd type="none" w="med" len="med"/>
-                    </a:lnL>
-                    <a:lnR w="12700" cap="flat" cmpd="sng" algn="ctr">
-                      <a:solidFill>
-                        <a:schemeClr val="tx1"/>
-                      </a:solidFill>
-                      <a:prstDash val="solid"/>
-                      <a:round/>
-                      <a:headEnd type="none" w="med" len="med"/>
-                      <a:tailEnd type="none" w="med" len="med"/>
-                    </a:lnR>
-                    <a:lnT w="12700" cap="flat" cmpd="sng" algn="ctr">
-                      <a:solidFill>
-                        <a:schemeClr val="tx1"/>
-                      </a:solidFill>
-                      <a:prstDash val="solid"/>
-                      <a:round/>
-                      <a:headEnd type="none" w="med" len="med"/>
-                      <a:tailEnd type="none" w="med" len="med"/>
-                    </a:lnT>
-                    <a:lnB w="28575" cap="flat" cmpd="sng" algn="ctr">
-                      <a:solidFill>
-                        <a:schemeClr val="tx1"/>
-                      </a:solidFill>
-                      <a:prstDash val="solid"/>
-                      <a:round/>
-                      <a:headEnd type="none" w="med" len="med"/>
-                      <a:tailEnd type="none" w="med" len="med"/>
-                    </a:lnB>
-                    <a:lnTlToBr>
-                      <a:noFill/>
-                    </a:lnTlToBr>
-                    <a:lnBlToTr>
-                      <a:noFill/>
-                    </a:lnBlToTr>
-                    <a:noFill/>
-                  </a:tcPr>
-                </a:tc>
-                <a:tc>
-                  <a:txBody>
-                    <a:bodyPr/>
-                    <a:lstStyle/>
-                    <a:p>
-                      <a:pPr marL="0" marR="0" lvl="0" indent="0" algn="ctr" defTabSz="914400" rtl="0" eaLnBrk="0" fontAlgn="base" latinLnBrk="0" hangingPunct="0">
-                        <a:lnSpc>
-                          <a:spcPct val="100000"/>
-                        </a:lnSpc>
-                        <a:spcBef>
-                          <a:spcPct val="20000"/>
-                        </a:spcBef>
-                        <a:spcAft>
-                          <a:spcPct val="0"/>
-                        </a:spcAft>
-                        <a:buClrTx/>
-                        <a:buSzTx/>
-                        <a:buFontTx/>
-                        <a:buNone/>
-                        <a:tabLst/>
-                      </a:pPr>
                       <a:r>
-                        <a:rPr kumimoji="0" lang="en-US" sz="2000" b="0" i="0" u="none" strike="noStrike" cap="none" normalizeH="0" baseline="0" smtClean="0">
+                        <a:rPr kumimoji="0" lang="en-US" sz="2000" b="1" i="0" u="none" strike="noStrike" cap="none" normalizeH="0" baseline="0" dirty="0" smtClean="0">
                           <a:ln>
                             <a:noFill/>
                           </a:ln>
@@ -6472,8 +6352,18 @@
                           <a:effectLst/>
                           <a:latin typeface="Times New Roman" pitchFamily="18" charset="0"/>
                         </a:rPr>
-                        <a:t>26</a:t>
+                        <a:t>26.7</a:t>
                       </a:r>
+                      <a:endParaRPr kumimoji="0" lang="en-US" sz="2000" b="1" i="0" u="none" strike="noStrike" cap="none" normalizeH="0" baseline="0" dirty="0" smtClean="0">
+                        <a:ln>
+                          <a:noFill/>
+                        </a:ln>
+                        <a:solidFill>
+                          <a:schemeClr val="tx1"/>
+                        </a:solidFill>
+                        <a:effectLst/>
+                        <a:latin typeface="Times New Roman" pitchFamily="18" charset="0"/>
+                      </a:endParaRPr>
                     </a:p>
                   </a:txBody>
                   <a:tcPr horzOverflow="overflow">
@@ -6554,8 +6444,136 @@
                           <a:effectLst/>
                           <a:latin typeface="Times New Roman" pitchFamily="18" charset="0"/>
                         </a:rPr>
-                        <a:t>26</a:t>
+                        <a:t>80/3=</a:t>
                       </a:r>
+                      <a:r>
+                        <a:rPr kumimoji="0" lang="en-US" sz="2000" b="1" i="0" u="none" strike="noStrike" cap="none" normalizeH="0" baseline="0" dirty="0" smtClean="0">
+                          <a:ln>
+                            <a:noFill/>
+                          </a:ln>
+                          <a:solidFill>
+                            <a:schemeClr val="tx1"/>
+                          </a:solidFill>
+                          <a:effectLst/>
+                          <a:latin typeface="Times New Roman" pitchFamily="18" charset="0"/>
+                        </a:rPr>
+                        <a:t>26.7</a:t>
+                      </a:r>
+                      <a:endParaRPr kumimoji="0" lang="en-US" sz="2000" b="1" i="0" u="none" strike="noStrike" cap="none" normalizeH="0" baseline="0" dirty="0" smtClean="0">
+                        <a:ln>
+                          <a:noFill/>
+                        </a:ln>
+                        <a:solidFill>
+                          <a:schemeClr val="tx1"/>
+                        </a:solidFill>
+                        <a:effectLst/>
+                        <a:latin typeface="Times New Roman" pitchFamily="18" charset="0"/>
+                      </a:endParaRPr>
+                    </a:p>
+                  </a:txBody>
+                  <a:tcPr horzOverflow="overflow">
+                    <a:lnL w="12700" cap="flat" cmpd="sng" algn="ctr">
+                      <a:solidFill>
+                        <a:schemeClr val="tx1"/>
+                      </a:solidFill>
+                      <a:prstDash val="solid"/>
+                      <a:round/>
+                      <a:headEnd type="none" w="med" len="med"/>
+                      <a:tailEnd type="none" w="med" len="med"/>
+                    </a:lnL>
+                    <a:lnR w="12700" cap="flat" cmpd="sng" algn="ctr">
+                      <a:solidFill>
+                        <a:schemeClr val="tx1"/>
+                      </a:solidFill>
+                      <a:prstDash val="solid"/>
+                      <a:round/>
+                      <a:headEnd type="none" w="med" len="med"/>
+                      <a:tailEnd type="none" w="med" len="med"/>
+                    </a:lnR>
+                    <a:lnT w="12700" cap="flat" cmpd="sng" algn="ctr">
+                      <a:solidFill>
+                        <a:schemeClr val="tx1"/>
+                      </a:solidFill>
+                      <a:prstDash val="solid"/>
+                      <a:round/>
+                      <a:headEnd type="none" w="med" len="med"/>
+                      <a:tailEnd type="none" w="med" len="med"/>
+                    </a:lnT>
+                    <a:lnB w="28575" cap="flat" cmpd="sng" algn="ctr">
+                      <a:solidFill>
+                        <a:schemeClr val="tx1"/>
+                      </a:solidFill>
+                      <a:prstDash val="solid"/>
+                      <a:round/>
+                      <a:headEnd type="none" w="med" len="med"/>
+                      <a:tailEnd type="none" w="med" len="med"/>
+                    </a:lnB>
+                    <a:lnTlToBr>
+                      <a:noFill/>
+                    </a:lnTlToBr>
+                    <a:lnBlToTr>
+                      <a:noFill/>
+                    </a:lnBlToTr>
+                    <a:noFill/>
+                  </a:tcPr>
+                </a:tc>
+                <a:tc>
+                  <a:txBody>
+                    <a:bodyPr/>
+                    <a:lstStyle/>
+                    <a:p>
+                      <a:pPr marL="0" marR="0" lvl="0" indent="0" algn="ctr" defTabSz="914400" rtl="0" eaLnBrk="0" fontAlgn="base" latinLnBrk="0" hangingPunct="0">
+                        <a:lnSpc>
+                          <a:spcPct val="100000"/>
+                        </a:lnSpc>
+                        <a:spcBef>
+                          <a:spcPct val="20000"/>
+                        </a:spcBef>
+                        <a:spcAft>
+                          <a:spcPct val="0"/>
+                        </a:spcAft>
+                        <a:buClrTx/>
+                        <a:buSzTx/>
+                        <a:buFontTx/>
+                        <a:buNone/>
+                        <a:tabLst/>
+                      </a:pPr>
+                      <a:r>
+                        <a:rPr kumimoji="0" lang="en-US" sz="2000" b="0" i="0" u="none" strike="noStrike" cap="none" normalizeH="0" baseline="0" dirty="0" smtClean="0">
+                          <a:ln>
+                            <a:noFill/>
+                          </a:ln>
+                          <a:solidFill>
+                            <a:schemeClr val="tx1"/>
+                          </a:solidFill>
+                          <a:effectLst/>
+                          <a:latin typeface="Times New Roman" pitchFamily="18" charset="0"/>
+                        </a:rPr>
+                        <a:t>80/3=</a:t>
+                      </a:r>
+                      <a:r>
+                        <a:rPr kumimoji="0" lang="en-US" sz="2000" b="1" i="0" u="none" strike="noStrike" cap="none" normalizeH="0" baseline="0" dirty="0" smtClean="0">
+                          <a:ln>
+                            <a:noFill/>
+                          </a:ln>
+                          <a:solidFill>
+                            <a:schemeClr val="tx1"/>
+                          </a:solidFill>
+                          <a:effectLst/>
+                          <a:latin typeface="Times New Roman" pitchFamily="18" charset="0"/>
+                        </a:rPr>
+                        <a:t>26.7</a:t>
+                      </a:r>
+                      <a:endParaRPr kumimoji="0" lang="en-US" sz="2000" b="1" i="0" u="none" strike="noStrike" cap="none" normalizeH="0" baseline="0" dirty="0" smtClean="0">
+                        <a:ln>
+                          <a:noFill/>
+                        </a:ln>
+                        <a:solidFill>
+                          <a:schemeClr val="tx1"/>
+                        </a:solidFill>
+                        <a:effectLst/>
+                        <a:latin typeface="Times New Roman" pitchFamily="18" charset="0"/>
+                      </a:endParaRPr>
                     </a:p>
                   </a:txBody>
                   <a:tcPr horzOverflow="overflow">
@@ -6720,7 +6738,7 @@
           <p:nvPr>
             <p:extLst>
               <p:ext uri="{D42A27DB-BD31-4B8C-83A1-F6EECF244321}">
-                <p14:modId xmlns:p14="http://schemas.microsoft.com/office/powerpoint/2010/main" val="4222702515"/>
+                <p14:modId xmlns:p14="http://schemas.microsoft.com/office/powerpoint/2010/main" val="229576675"/>
               </p:ext>
             </p:extLst>
           </p:nvPr>
@@ -7196,16 +7214,6 @@
                         </a:rPr>
                         <a:t>24</a:t>
                       </a:r>
-                      <a:endParaRPr kumimoji="0" lang="en-US" sz="2000" b="0" i="0" u="none" strike="noStrike" cap="none" normalizeH="0" baseline="0" dirty="0" smtClean="0">
-                        <a:ln>
-                          <a:noFill/>
-                        </a:ln>
-                        <a:solidFill>
-                          <a:schemeClr val="tx1"/>
-                        </a:solidFill>
-                        <a:effectLst/>
-                        <a:latin typeface="Times New Roman" pitchFamily="18" charset="0"/>
-                      </a:endParaRPr>
                     </a:p>
                   </a:txBody>
                   <a:tcPr horzOverflow="overflow">
@@ -7288,16 +7296,6 @@
                         </a:rPr>
                         <a:t>38</a:t>
                       </a:r>
-                      <a:endParaRPr kumimoji="0" lang="en-US" sz="2000" b="0" i="0" u="none" strike="noStrike" cap="none" normalizeH="0" baseline="0" dirty="0" smtClean="0">
-                        <a:ln>
-                          <a:noFill/>
-                        </a:ln>
-                        <a:solidFill>
-                          <a:schemeClr val="tx1"/>
-                        </a:solidFill>
-                        <a:effectLst/>
-                        <a:latin typeface="Times New Roman" pitchFamily="18" charset="0"/>
-                      </a:endParaRPr>
                     </a:p>
                   </a:txBody>
                   <a:tcPr horzOverflow="overflow">
@@ -7378,7 +7376,7 @@
                           <a:effectLst/>
                           <a:latin typeface="Times New Roman" pitchFamily="18" charset="0"/>
                         </a:rPr>
-                        <a:t>16</a:t>
+                        <a:t>18</a:t>
                       </a:r>
                       <a:endParaRPr kumimoji="0" lang="en-US" sz="2000" b="0" i="0" u="none" strike="noStrike" cap="none" normalizeH="0" baseline="0" dirty="0" smtClean="0">
                         <a:ln>
@@ -7983,7 +7981,7 @@
           <p:nvPr>
             <p:extLst>
               <p:ext uri="{D42A27DB-BD31-4B8C-83A1-F6EECF244321}">
-                <p14:modId xmlns:p14="http://schemas.microsoft.com/office/powerpoint/2010/main" val="2222240010"/>
+                <p14:modId xmlns:p14="http://schemas.microsoft.com/office/powerpoint/2010/main" val="2922140273"/>
               </p:ext>
             </p:extLst>
           </p:nvPr>
@@ -8447,7 +8445,7 @@
                         <a:tabLst/>
                       </a:pPr>
                       <a:r>
-                        <a:rPr kumimoji="0" lang="en-US" sz="2000" b="0" i="0" u="none" strike="noStrike" cap="none" normalizeH="0" baseline="0" smtClean="0">
+                        <a:rPr kumimoji="0" lang="en-US" sz="2000" b="0" i="0" u="none" strike="noStrike" cap="none" normalizeH="0" baseline="0" dirty="0" smtClean="0">
                           <a:ln>
                             <a:noFill/>
                           </a:ln>
@@ -8457,90 +8455,18 @@
                           <a:effectLst/>
                           <a:latin typeface="Times New Roman" pitchFamily="18" charset="0"/>
                         </a:rPr>
-                        <a:t>26</a:t>
+                        <a:t>26.7</a:t>
                       </a:r>
-                    </a:p>
-                  </a:txBody>
-                  <a:tcPr horzOverflow="overflow">
-                    <a:lnL w="12700" cap="flat" cmpd="sng" algn="ctr">
-                      <a:solidFill>
-                        <a:schemeClr val="tx1"/>
-                      </a:solidFill>
-                      <a:prstDash val="solid"/>
-                      <a:round/>
-                      <a:headEnd type="none" w="med" len="med"/>
-                      <a:tailEnd type="none" w="med" len="med"/>
-                    </a:lnL>
-                    <a:lnR w="12700" cap="flat" cmpd="sng" algn="ctr">
-                      <a:solidFill>
-                        <a:schemeClr val="tx1"/>
-                      </a:solidFill>
-                      <a:prstDash val="solid"/>
-                      <a:round/>
-                      <a:headEnd type="none" w="med" len="med"/>
-                      <a:tailEnd type="none" w="med" len="med"/>
-                    </a:lnR>
-                    <a:lnT w="12700" cap="flat" cmpd="sng" algn="ctr">
-                      <a:solidFill>
-                        <a:schemeClr val="tx1"/>
-                      </a:solidFill>
-                      <a:prstDash val="solid"/>
-                      <a:round/>
-                      <a:headEnd type="none" w="med" len="med"/>
-                      <a:tailEnd type="none" w="med" len="med"/>
-                    </a:lnT>
-                    <a:lnB w="28575" cap="flat" cmpd="sng" algn="ctr">
-                      <a:solidFill>
-                        <a:schemeClr val="tx1"/>
-                      </a:solidFill>
-                      <a:prstDash val="solid"/>
-                      <a:round/>
-                      <a:headEnd type="none" w="med" len="med"/>
-                      <a:tailEnd type="none" w="med" len="med"/>
-                    </a:lnB>
-                    <a:lnTlToBr>
-                      <a:noFill/>
-                    </a:lnTlToBr>
-                    <a:lnBlToTr>
-                      <a:noFill/>
-                    </a:lnBlToTr>
-                    <a:noFill/>
-                  </a:tcPr>
-                </a:tc>
-                <a:tc>
-                  <a:txBody>
-                    <a:bodyPr/>
-                    <a:lstStyle/>
-                    <a:p>
-                      <a:pPr marL="0" marR="0" lvl="0" indent="0" algn="ctr" defTabSz="914400" rtl="0" eaLnBrk="0" fontAlgn="base" latinLnBrk="0" hangingPunct="0">
-                        <a:lnSpc>
-                          <a:spcPct val="100000"/>
-                        </a:lnSpc>
-                        <a:spcBef>
-                          <a:spcPct val="20000"/>
-                        </a:spcBef>
-                        <a:spcAft>
-                          <a:spcPct val="0"/>
-                        </a:spcAft>
-                        <a:buClrTx/>
-                        <a:buSzTx/>
-                        <a:buFontTx/>
-                        <a:buNone/>
-                        <a:tabLst/>
-                      </a:pPr>
-                      <a:r>
-                        <a:rPr kumimoji="0" lang="en-US" sz="2000" b="0" i="0" u="none" strike="noStrike" cap="none" normalizeH="0" baseline="0" smtClean="0">
-                          <a:ln>
-                            <a:noFill/>
-                          </a:ln>
-                          <a:solidFill>
-                            <a:schemeClr val="tx1"/>
-                          </a:solidFill>
-                          <a:effectLst/>
-                          <a:latin typeface="Times New Roman" pitchFamily="18" charset="0"/>
-                        </a:rPr>
-                        <a:t>26</a:t>
-                      </a:r>
+                      <a:endParaRPr kumimoji="0" lang="en-US" sz="2000" b="0" i="0" u="none" strike="noStrike" cap="none" normalizeH="0" baseline="0" dirty="0" smtClean="0">
+                        <a:ln>
+                          <a:noFill/>
+                        </a:ln>
+                        <a:solidFill>
+                          <a:schemeClr val="tx1"/>
+                        </a:solidFill>
+                        <a:effectLst/>
+                        <a:latin typeface="Times New Roman" pitchFamily="18" charset="0"/>
+                      </a:endParaRPr>
                     </a:p>
                   </a:txBody>
                   <a:tcPr horzOverflow="overflow">
@@ -8621,8 +8547,110 @@
                           <a:effectLst/>
                           <a:latin typeface="Times New Roman" pitchFamily="18" charset="0"/>
                         </a:rPr>
-                        <a:t>26</a:t>
+                        <a:t>26.7</a:t>
                       </a:r>
+                      <a:endParaRPr kumimoji="0" lang="en-US" sz="2000" b="0" i="0" u="none" strike="noStrike" cap="none" normalizeH="0" baseline="0" dirty="0" smtClean="0">
+                        <a:ln>
+                          <a:noFill/>
+                        </a:ln>
+                        <a:solidFill>
+                          <a:schemeClr val="tx1"/>
+                        </a:solidFill>
+                        <a:effectLst/>
+                        <a:latin typeface="Times New Roman" pitchFamily="18" charset="0"/>
+                      </a:endParaRPr>
+                    </a:p>
+                  </a:txBody>
+                  <a:tcPr horzOverflow="overflow">
+                    <a:lnL w="12700" cap="flat" cmpd="sng" algn="ctr">
+                      <a:solidFill>
+                        <a:schemeClr val="tx1"/>
+                      </a:solidFill>
+                      <a:prstDash val="solid"/>
+                      <a:round/>
+                      <a:headEnd type="none" w="med" len="med"/>
+                      <a:tailEnd type="none" w="med" len="med"/>
+                    </a:lnL>
+                    <a:lnR w="12700" cap="flat" cmpd="sng" algn="ctr">
+                      <a:solidFill>
+                        <a:schemeClr val="tx1"/>
+                      </a:solidFill>
+                      <a:prstDash val="solid"/>
+                      <a:round/>
+                      <a:headEnd type="none" w="med" len="med"/>
+                      <a:tailEnd type="none" w="med" len="med"/>
+                    </a:lnR>
+                    <a:lnT w="12700" cap="flat" cmpd="sng" algn="ctr">
+                      <a:solidFill>
+                        <a:schemeClr val="tx1"/>
+                      </a:solidFill>
+                      <a:prstDash val="solid"/>
+                      <a:round/>
+                      <a:headEnd type="none" w="med" len="med"/>
+                      <a:tailEnd type="none" w="med" len="med"/>
+                    </a:lnT>
+                    <a:lnB w="28575" cap="flat" cmpd="sng" algn="ctr">
+                      <a:solidFill>
+                        <a:schemeClr val="tx1"/>
+                      </a:solidFill>
+                      <a:prstDash val="solid"/>
+                      <a:round/>
+                      <a:headEnd type="none" w="med" len="med"/>
+                      <a:tailEnd type="none" w="med" len="med"/>
+                    </a:lnB>
+                    <a:lnTlToBr>
+                      <a:noFill/>
+                    </a:lnTlToBr>
+                    <a:lnBlToTr>
+                      <a:noFill/>
+                    </a:lnBlToTr>
+                    <a:noFill/>
+                  </a:tcPr>
+                </a:tc>
+                <a:tc>
+                  <a:txBody>
+                    <a:bodyPr/>
+                    <a:lstStyle/>
+                    <a:p>
+                      <a:pPr marL="0" marR="0" lvl="0" indent="0" algn="ctr" defTabSz="914400" rtl="0" eaLnBrk="0" fontAlgn="base" latinLnBrk="0" hangingPunct="0">
+                        <a:lnSpc>
+                          <a:spcPct val="100000"/>
+                        </a:lnSpc>
+                        <a:spcBef>
+                          <a:spcPct val="20000"/>
+                        </a:spcBef>
+                        <a:spcAft>
+                          <a:spcPct val="0"/>
+                        </a:spcAft>
+                        <a:buClrTx/>
+                        <a:buSzTx/>
+                        <a:buFontTx/>
+                        <a:buNone/>
+                        <a:tabLst/>
+                      </a:pPr>
+                      <a:r>
+                        <a:rPr kumimoji="0" lang="en-US" sz="2000" b="0" i="0" u="none" strike="noStrike" cap="none" normalizeH="0" baseline="0" dirty="0" smtClean="0">
+                          <a:ln>
+                            <a:noFill/>
+                          </a:ln>
+                          <a:solidFill>
+                            <a:schemeClr val="tx1"/>
+                          </a:solidFill>
+                          <a:effectLst/>
+                          <a:latin typeface="Times New Roman" pitchFamily="18" charset="0"/>
+                        </a:rPr>
+                        <a:t>26.7</a:t>
+                      </a:r>
+                      <a:endParaRPr kumimoji="0" lang="en-US" sz="2000" b="0" i="0" u="none" strike="noStrike" cap="none" normalizeH="0" baseline="0" dirty="0" smtClean="0">
+                        <a:ln>
+                          <a:noFill/>
+                        </a:ln>
+                        <a:solidFill>
+                          <a:schemeClr val="tx1"/>
+                        </a:solidFill>
+                        <a:effectLst/>
+                        <a:latin typeface="Times New Roman" pitchFamily="18" charset="0"/>
+                      </a:endParaRPr>
                     </a:p>
                   </a:txBody>
                   <a:tcPr horzOverflow="overflow">
@@ -8787,7 +8815,7 @@
           <p:nvPr>
             <p:extLst>
               <p:ext uri="{D42A27DB-BD31-4B8C-83A1-F6EECF244321}">
-                <p14:modId xmlns:p14="http://schemas.microsoft.com/office/powerpoint/2010/main" val="987942782"/>
+                <p14:modId xmlns:p14="http://schemas.microsoft.com/office/powerpoint/2010/main" val="4191540064"/>
               </p:ext>
             </p:extLst>
           </p:nvPr>
@@ -9355,16 +9383,6 @@
                         </a:rPr>
                         <a:t>38</a:t>
                       </a:r>
-                      <a:endParaRPr kumimoji="0" lang="en-US" sz="2000" b="0" i="0" u="none" strike="noStrike" cap="none" normalizeH="0" baseline="0" dirty="0" smtClean="0">
-                        <a:ln>
-                          <a:noFill/>
-                        </a:ln>
-                        <a:solidFill>
-                          <a:schemeClr val="tx1"/>
-                        </a:solidFill>
-                        <a:effectLst/>
-                        <a:latin typeface="Times New Roman" pitchFamily="18" charset="0"/>
-                      </a:endParaRPr>
                     </a:p>
                   </a:txBody>
                   <a:tcPr horzOverflow="overflow">
@@ -9445,7 +9463,7 @@
                           <a:effectLst/>
                           <a:latin typeface="Times New Roman" pitchFamily="18" charset="0"/>
                         </a:rPr>
-                        <a:t>16</a:t>
+                        <a:t>18</a:t>
                       </a:r>
                       <a:endParaRPr kumimoji="0" lang="en-US" sz="2000" b="0" i="0" u="none" strike="noStrike" cap="none" normalizeH="0" baseline="0" dirty="0" smtClean="0">
                         <a:ln>
@@ -9622,25 +9640,25 @@
           <p:nvPr>
             <p:extLst>
               <p:ext uri="{D42A27DB-BD31-4B8C-83A1-F6EECF244321}">
-                <p14:modId xmlns:p14="http://schemas.microsoft.com/office/powerpoint/2010/main" val="772588328"/>
+                <p14:modId xmlns:p14="http://schemas.microsoft.com/office/powerpoint/2010/main" val="3237481613"/>
               </p:ext>
             </p:extLst>
           </p:nvPr>
         </p:nvGraphicFramePr>
         <p:xfrm>
-          <a:off x="1978025" y="3803650"/>
-          <a:ext cx="1797050" cy="996950"/>
+          <a:off x="1992313" y="3890963"/>
+          <a:ext cx="1766887" cy="820737"/>
         </p:xfrm>
         <a:graphic>
           <a:graphicData uri="http://schemas.openxmlformats.org/presentationml/2006/ole">
             <mc:AlternateContent xmlns:mc="http://schemas.openxmlformats.org/markup-compatibility/2006">
               <mc:Choice xmlns:v="urn:schemas-microsoft-com:vml" Requires="v">
-                <p:oleObj spid="_x0000_s221192" name="Equation" r:id="rId3" imgW="774360" imgH="431640" progId="Equation.3">
+                <p:oleObj spid="_x0000_s221198" name="Equation" r:id="rId3" imgW="761760" imgH="355320" progId="Equation.3">
                   <p:embed/>
                 </p:oleObj>
               </mc:Choice>
               <mc:Fallback>
-                <p:oleObj name="Equation" r:id="rId3" imgW="774360" imgH="431640" progId="Equation.3">
+                <p:oleObj name="Equation" r:id="rId3" imgW="761760" imgH="355320" progId="Equation.3">
                   <p:embed/>
                   <p:pic>
                     <p:nvPicPr>
@@ -9651,13 +9669,7 @@
                       <p:nvPr/>
                     </p:nvPicPr>
                     <p:blipFill>
-                      <a:blip r:embed="rId4">
-                        <a:extLst>
-                          <a:ext uri="{28A0092B-C50C-407E-A947-70E740481C1C}">
-                            <a14:useLocalDpi xmlns:a14="http://schemas.microsoft.com/office/drawing/2010/main" val="0"/>
-                          </a:ext>
-                        </a:extLst>
-                      </a:blip>
+                      <a:blip r:embed="rId4"/>
                       <a:srcRect/>
                       <a:stretch>
                         <a:fillRect/>
@@ -9665,8 +9677,8 @@
                     </p:blipFill>
                     <p:spPr bwMode="auto">
                       <a:xfrm>
-                        <a:off x="1978025" y="3803650"/>
-                        <a:ext cx="1797050" cy="996950"/>
+                        <a:off x="1992313" y="3890963"/>
+                        <a:ext cx="1766887" cy="820737"/>
                       </a:xfrm>
                       <a:prstGeom prst="rect">
                         <a:avLst/>
@@ -9721,25 +9733,25 @@
           <p:nvPr>
             <p:extLst>
               <p:ext uri="{D42A27DB-BD31-4B8C-83A1-F6EECF244321}">
-                <p14:modId xmlns:p14="http://schemas.microsoft.com/office/powerpoint/2010/main" val="3668362540"/>
+                <p14:modId xmlns:p14="http://schemas.microsoft.com/office/powerpoint/2010/main" val="759862924"/>
               </p:ext>
             </p:extLst>
           </p:nvPr>
         </p:nvGraphicFramePr>
         <p:xfrm>
-          <a:off x="3756025" y="3803650"/>
-          <a:ext cx="1797050" cy="996950"/>
+          <a:off x="3770313" y="3890963"/>
+          <a:ext cx="1768475" cy="820737"/>
         </p:xfrm>
         <a:graphic>
           <a:graphicData uri="http://schemas.openxmlformats.org/presentationml/2006/ole">
             <mc:AlternateContent xmlns:mc="http://schemas.openxmlformats.org/markup-compatibility/2006">
               <mc:Choice xmlns:v="urn:schemas-microsoft-com:vml" Requires="v">
-                <p:oleObj spid="_x0000_s221193" name="Equation" r:id="rId5" imgW="774360" imgH="431640" progId="Equation.3">
+                <p:oleObj spid="_x0000_s221199" name="Equation" r:id="rId5" imgW="761760" imgH="355320" progId="Equation.3">
                   <p:embed/>
                 </p:oleObj>
               </mc:Choice>
               <mc:Fallback>
-                <p:oleObj name="Equation" r:id="rId5" imgW="774360" imgH="431640" progId="Equation.3">
+                <p:oleObj name="Equation" r:id="rId5" imgW="761760" imgH="355320" progId="Equation.3">
                   <p:embed/>
                   <p:pic>
                     <p:nvPicPr>
@@ -9750,13 +9762,7 @@
                       <p:nvPr/>
                     </p:nvPicPr>
                     <p:blipFill>
-                      <a:blip r:embed="rId6">
-                        <a:extLst>
-                          <a:ext uri="{28A0092B-C50C-407E-A947-70E740481C1C}">
-                            <a14:useLocalDpi xmlns:a14="http://schemas.microsoft.com/office/drawing/2010/main" val="0"/>
-                          </a:ext>
-                        </a:extLst>
-                      </a:blip>
+                      <a:blip r:embed="rId6"/>
                       <a:srcRect/>
                       <a:stretch>
                         <a:fillRect/>
@@ -9764,8 +9770,8 @@
                     </p:blipFill>
                     <p:spPr bwMode="auto">
                       <a:xfrm>
-                        <a:off x="3756025" y="3803650"/>
-                        <a:ext cx="1797050" cy="996950"/>
+                        <a:off x="3770313" y="3890963"/>
+                        <a:ext cx="1768475" cy="820737"/>
                       </a:xfrm>
                       <a:prstGeom prst="rect">
                         <a:avLst/>
@@ -9820,25 +9826,25 @@
           <p:nvPr>
             <p:extLst>
               <p:ext uri="{D42A27DB-BD31-4B8C-83A1-F6EECF244321}">
-                <p14:modId xmlns:p14="http://schemas.microsoft.com/office/powerpoint/2010/main" val="3545393570"/>
+                <p14:modId xmlns:p14="http://schemas.microsoft.com/office/powerpoint/2010/main" val="2982963919"/>
               </p:ext>
             </p:extLst>
           </p:nvPr>
         </p:nvGraphicFramePr>
         <p:xfrm>
-          <a:off x="5584825" y="3803650"/>
-          <a:ext cx="1501775" cy="996950"/>
+          <a:off x="5570538" y="3890963"/>
+          <a:ext cx="1531937" cy="820737"/>
         </p:xfrm>
         <a:graphic>
           <a:graphicData uri="http://schemas.openxmlformats.org/presentationml/2006/ole">
             <mc:AlternateContent xmlns:mc="http://schemas.openxmlformats.org/markup-compatibility/2006">
               <mc:Choice xmlns:v="urn:schemas-microsoft-com:vml" Requires="v">
-                <p:oleObj spid="_x0000_s221194" name="Equation" r:id="rId7" imgW="647640" imgH="431640" progId="Equation.3">
+                <p:oleObj spid="_x0000_s221200" name="Equation" r:id="rId7" imgW="660240" imgH="355320" progId="Equation.3">
                   <p:embed/>
                 </p:oleObj>
               </mc:Choice>
               <mc:Fallback>
-                <p:oleObj name="Equation" r:id="rId7" imgW="647640" imgH="431640" progId="Equation.3">
+                <p:oleObj name="Equation" r:id="rId7" imgW="660240" imgH="355320" progId="Equation.3">
                   <p:embed/>
                   <p:pic>
                     <p:nvPicPr>
@@ -9849,13 +9855,7 @@
                       <p:nvPr/>
                     </p:nvPicPr>
                     <p:blipFill>
-                      <a:blip r:embed="rId8">
-                        <a:extLst>
-                          <a:ext uri="{28A0092B-C50C-407E-A947-70E740481C1C}">
-                            <a14:useLocalDpi xmlns:a14="http://schemas.microsoft.com/office/drawing/2010/main" val="0"/>
-                          </a:ext>
-                        </a:extLst>
-                      </a:blip>
+                      <a:blip r:embed="rId8"/>
                       <a:srcRect/>
                       <a:stretch>
                         <a:fillRect/>
@@ -9863,8 +9863,8 @@
                     </p:blipFill>
                     <p:spPr bwMode="auto">
                       <a:xfrm>
-                        <a:off x="5584825" y="3803650"/>
-                        <a:ext cx="1501775" cy="996950"/>
+                        <a:off x="5570538" y="3890963"/>
+                        <a:ext cx="1531937" cy="820737"/>
                       </a:xfrm>
                       <a:prstGeom prst="rect">
                         <a:avLst/>
@@ -9976,7 +9976,7 @@
         <p:spPr bwMode="auto">
           <a:xfrm>
             <a:off x="1062038" y="4891088"/>
-            <a:ext cx="4767262" cy="519112"/>
+            <a:ext cx="4810932" cy="523220"/>
           </a:xfrm>
           <a:prstGeom prst="rect">
             <a:avLst/>
@@ -9997,7 +9997,7 @@
           <a:lstStyle/>
           <a:p>
             <a:r>
-              <a:rPr lang="en-US" sz="2800" b="1">
+              <a:rPr lang="en-US" sz="2800" b="1" dirty="0">
                 <a:solidFill>
                   <a:schemeClr val="accent1"/>
                 </a:solidFill>
@@ -10006,7 +10006,7 @@
               <a:t>c</a:t>
             </a:r>
             <a:r>
-              <a:rPr lang="en-US" sz="2800" b="1" baseline="30000">
+              <a:rPr lang="en-US" sz="2800" b="1" baseline="30000" dirty="0">
                 <a:solidFill>
                   <a:schemeClr val="accent1"/>
                 </a:solidFill>
@@ -10014,9 +10014,38 @@
               <a:t>2</a:t>
             </a:r>
             <a:r>
-              <a:rPr lang="en-US" sz="2800"/>
-              <a:t> =  0.15 + 5.54  + 3.85  = 9.54</a:t>
-            </a:r>
+              <a:rPr lang="en-US" sz="2800" dirty="0"/>
+              <a:t> =  </a:t>
+            </a:r>
+            <a:r>
+              <a:rPr lang="en-US" sz="2800" dirty="0" smtClean="0"/>
+              <a:t>0.27 </a:t>
+            </a:r>
+            <a:r>
+              <a:rPr lang="en-US" sz="2800" dirty="0"/>
+              <a:t>+ </a:t>
+            </a:r>
+            <a:r>
+              <a:rPr lang="en-US" sz="2800" dirty="0" smtClean="0"/>
+              <a:t>4.78  </a:t>
+            </a:r>
+            <a:r>
+              <a:rPr lang="en-US" sz="2800" dirty="0"/>
+              <a:t>+ </a:t>
+            </a:r>
+            <a:r>
+              <a:rPr lang="en-US" sz="2800" dirty="0" smtClean="0"/>
+              <a:t>2.83  </a:t>
+            </a:r>
+            <a:r>
+              <a:rPr lang="en-US" sz="2800" dirty="0"/>
+              <a:t>= </a:t>
+            </a:r>
+            <a:r>
+              <a:rPr lang="en-US" sz="2800" dirty="0" smtClean="0"/>
+              <a:t>7.88</a:t>
+            </a:r>
+            <a:endParaRPr lang="en-US" sz="2800" dirty="0"/>
           </a:p>
         </p:txBody>
       </p:sp>
@@ -10536,11 +10565,7 @@
             </a:pPr>
             <a:r>
               <a:rPr lang="en-US" sz="2400" b="1" dirty="0" smtClean="0"/>
-              <a:t>8</a:t>
-            </a:r>
-            <a:r>
-              <a:rPr lang="en-US" sz="2400" b="1" dirty="0" smtClean="0"/>
-              <a:t>)  Calculate </a:t>
+              <a:t>8)  Calculate </a:t>
             </a:r>
             <a:r>
               <a:rPr lang="en-US" sz="2400" b="1" dirty="0"/>
@@ -10570,8 +10595,8 @@
         </p:nvSpPr>
         <p:spPr bwMode="auto">
           <a:xfrm>
-            <a:off x="152400" y="1295400"/>
-            <a:ext cx="7162800" cy="738664"/>
+            <a:off x="152400" y="1295401"/>
+            <a:ext cx="7162800" cy="492443"/>
           </a:xfrm>
           <a:prstGeom prst="rect">
             <a:avLst/>
@@ -10625,7 +10650,7 @@
               <a:t>&gt; ( </a:t>
             </a:r>
             <a:r>
-              <a:rPr lang="en-US" sz="1600" dirty="0" err="1">
+              <a:rPr lang="en-US" sz="1600" dirty="0" err="1" smtClean="0">
                 <a:solidFill>
                   <a:srgbClr val="930F80"/>
                 </a:solidFill>
@@ -10634,13 +10659,22 @@
               <a:t>distrib</a:t>
             </a:r>
             <a:r>
+              <a:rPr lang="en-US" sz="1600" dirty="0" smtClean="0">
+                <a:solidFill>
+                  <a:srgbClr val="930F80"/>
+                </a:solidFill>
+                <a:latin typeface="Lucida Console" panose="020B0609040504020204" pitchFamily="49" charset="0"/>
+              </a:rPr>
+              <a:t>(7.88,distrib</a:t>
+            </a:r>
+            <a:r>
               <a:rPr lang="en-US" sz="1600" dirty="0">
                 <a:solidFill>
                   <a:srgbClr val="930F80"/>
                 </a:solidFill>
                 <a:latin typeface="Lucida Console" panose="020B0609040504020204" pitchFamily="49" charset="0"/>
               </a:rPr>
-              <a:t>(9.54,distrib="</a:t>
+              <a:t>="</a:t>
             </a:r>
             <a:r>
               <a:rPr lang="en-US" sz="1600" dirty="0" err="1">
@@ -10680,66 +10714,28 @@
             </a:r>
           </a:p>
           <a:p>
-            <a:pPr fontAlgn="t"/>
+            <a:pPr lvl="0" fontAlgn="t"/>
             <a:r>
               <a:rPr lang="en-US" sz="1600" dirty="0">
                 <a:latin typeface="Lucida Console" panose="020B0609040504020204" pitchFamily="49" charset="0"/>
               </a:rPr>
-              <a:t>[1] 0.00848038 </a:t>
-            </a:r>
-          </a:p>
-          <a:p>
-            <a:pPr marR="0" lvl="0" algn="l" defTabSz="914400" rtl="0" eaLnBrk="0" fontAlgn="base" latinLnBrk="0" hangingPunct="0">
-              <a:lnSpc>
-                <a:spcPct val="100000"/>
-              </a:lnSpc>
-              <a:spcBef>
-                <a:spcPct val="0"/>
-              </a:spcBef>
-              <a:spcAft>
-                <a:spcPct val="0"/>
-              </a:spcAft>
-              <a:buClrTx/>
-              <a:buSzTx/>
-              <a:tabLst/>
-            </a:pPr>
-            <a:endParaRPr kumimoji="0" lang="en-US" altLang="en-US" sz="1600" b="0" i="0" u="none" strike="noStrike" cap="none" normalizeH="0" baseline="0" dirty="0" smtClean="0">
-              <a:ln>
-                <a:noFill/>
-              </a:ln>
-              <a:solidFill>
-                <a:schemeClr val="tx1"/>
-              </a:solidFill>
-              <a:effectLst/>
+              <a:t>[1] </a:t>
+            </a:r>
+            <a:r>
+              <a:rPr lang="en-US" altLang="en-US" sz="1600" dirty="0" smtClean="0">
+                <a:solidFill>
+                  <a:srgbClr val="000000"/>
+                </a:solidFill>
+                <a:latin typeface="Lucida Console" panose="020B0609040504020204" pitchFamily="49" charset="0"/>
+              </a:rPr>
+              <a:t>0.01944821</a:t>
+            </a:r>
+            <a:endParaRPr lang="en-US" altLang="en-US" sz="2800" dirty="0">
               <a:latin typeface="Arial" panose="020B0604020202020204" pitchFamily="34" charset="0"/>
             </a:endParaRPr>
           </a:p>
         </p:txBody>
       </p:sp>
-      <p:pic>
-        <p:nvPicPr>
-          <p:cNvPr id="12" name="Picture 11"/>
-          <p:cNvPicPr>
-            <a:picLocks noChangeAspect="1"/>
-          </p:cNvPicPr>
-          <p:nvPr/>
-        </p:nvPicPr>
-        <p:blipFill>
-          <a:blip r:embed="rId2"/>
-          <a:stretch>
-            <a:fillRect/>
-          </a:stretch>
-        </p:blipFill>
-        <p:spPr>
-          <a:xfrm>
-            <a:off x="4710479" y="1524000"/>
-            <a:ext cx="4357321" cy="2936603"/>
-          </a:xfrm>
-          <a:prstGeom prst="rect">
-            <a:avLst/>
-          </a:prstGeom>
-        </p:spPr>
-      </p:pic>
       <p:sp>
         <p:nvSpPr>
           <p:cNvPr id="16" name="Rectangle 5"/>
@@ -10927,7 +10923,15 @@
             </a:pPr>
             <a:r>
               <a:rPr lang="en-US" sz="2400" kern="0" dirty="0" smtClean="0"/>
-              <a:t>p-value (0.0085) &lt; </a:t>
+              <a:t>p-value (</a:t>
+            </a:r>
+            <a:r>
+              <a:rPr lang="en-US" sz="2400" kern="0" dirty="0" smtClean="0"/>
+              <a:t>0.0194) </a:t>
+            </a:r>
+            <a:r>
+              <a:rPr lang="en-US" sz="2400" kern="0" dirty="0" smtClean="0"/>
+              <a:t>&lt; </a:t>
             </a:r>
             <a:r>
               <a:rPr lang="en-US" sz="2400" kern="0" dirty="0" smtClean="0">
@@ -10978,6 +10982,30 @@
           </a:p>
         </p:txBody>
       </p:sp>
+      <p:pic>
+        <p:nvPicPr>
+          <p:cNvPr id="5" name="Picture 4"/>
+          <p:cNvPicPr>
+            <a:picLocks noChangeAspect="1"/>
+          </p:cNvPicPr>
+          <p:nvPr/>
+        </p:nvPicPr>
+        <p:blipFill>
+          <a:blip r:embed="rId2"/>
+          <a:stretch>
+            <a:fillRect/>
+          </a:stretch>
+        </p:blipFill>
+        <p:spPr>
+          <a:xfrm>
+            <a:off x="4724400" y="1498493"/>
+            <a:ext cx="4419600" cy="2978576"/>
+          </a:xfrm>
+          <a:prstGeom prst="rect">
+            <a:avLst/>
+          </a:prstGeom>
+        </p:spPr>
+      </p:pic>
     </p:spTree>
     <p:extLst>
       <p:ext uri="{BB962C8B-B14F-4D97-AF65-F5344CB8AC3E}">
